--- a/docs/立项答辩ver2.0.pptx
+++ b/docs/立项答辩ver2.0.pptx
@@ -10143,11 +10143,11 @@
   <p:clrMapOvr>
     <a:masterClrMapping/>
   </p:clrMapOvr>
-  <mc:AlternateContent xmlns:mc="http://schemas.openxmlformats.org/markup-compatibility/2006">
-    <mc:Choice xmlns:p14="http://schemas.microsoft.com/office/powerpoint/2010/main" Requires="p14">
+  <mc:AlternateContent xmlns:mc="http://schemas.openxmlformats.org/markup-compatibility/2006" xmlns:p14="http://schemas.microsoft.com/office/powerpoint/2010/main">
+    <mc:Choice Requires="p14">
       <p:transition p14:dur="10"/>
     </mc:Choice>
-    <mc:Fallback>
+    <mc:Fallback xmlns="">
       <p:transition/>
     </mc:Fallback>
   </mc:AlternateContent>
@@ -10934,9 +10934,9 @@
         <p:grpSpPr>
           <a:xfrm>
             <a:off x="1675324" y="372597"/>
-            <a:ext cx="8767105" cy="523220"/>
+            <a:ext cx="9126178" cy="523220"/>
             <a:chOff x="5906988" y="1943814"/>
-            <a:chExt cx="4852175" cy="523220"/>
+            <a:chExt cx="5050905" cy="523220"/>
           </a:xfrm>
         </p:grpSpPr>
         <p:sp>
@@ -10948,7 +10948,7 @@
           <p:spPr>
             <a:xfrm>
               <a:off x="6274262" y="1943814"/>
-              <a:ext cx="4484901" cy="523220"/>
+              <a:ext cx="4683631" cy="523220"/>
             </a:xfrm>
             <a:prstGeom prst="rect">
               <a:avLst/>
@@ -10971,7 +10971,7 @@
                     <a:schemeClr val="accent6"/>
                   </a:solidFill>
                 </a:rPr>
-                <a:t>对标闲鱼等已的</a:t>
+                <a:t>对标闲鱼等已有的</a:t>
               </a:r>
               <a:r>
                 <a:rPr lang="en-US" altLang="zh-CN" sz="2800" b="1" dirty="0">
@@ -11455,11 +11455,11 @@
   <p:clrMapOvr>
     <a:masterClrMapping/>
   </p:clrMapOvr>
-  <mc:AlternateContent xmlns:mc="http://schemas.openxmlformats.org/markup-compatibility/2006">
-    <mc:Choice xmlns:p14="http://schemas.microsoft.com/office/powerpoint/2010/main" Requires="p14">
+  <mc:AlternateContent xmlns:mc="http://schemas.openxmlformats.org/markup-compatibility/2006" xmlns:p14="http://schemas.microsoft.com/office/powerpoint/2010/main">
+    <mc:Choice Requires="p14">
       <p:transition p14:dur="10"/>
     </mc:Choice>
-    <mc:Fallback>
+    <mc:Fallback xmlns="">
       <p:transition/>
     </mc:Fallback>
   </mc:AlternateContent>
@@ -11863,11 +11863,11 @@
   <p:clrMapOvr>
     <a:masterClrMapping/>
   </p:clrMapOvr>
-  <mc:AlternateContent xmlns:mc="http://schemas.openxmlformats.org/markup-compatibility/2006">
-    <mc:Choice xmlns:p14="http://schemas.microsoft.com/office/powerpoint/2010/main" Requires="p14">
+  <mc:AlternateContent xmlns:mc="http://schemas.openxmlformats.org/markup-compatibility/2006" xmlns:p14="http://schemas.microsoft.com/office/powerpoint/2010/main">
+    <mc:Choice Requires="p14">
       <p:transition p14:dur="10"/>
     </mc:Choice>
-    <mc:Fallback>
+    <mc:Fallback xmlns="">
       <p:transition/>
     </mc:Fallback>
   </mc:AlternateContent>
@@ -12020,11 +12020,11 @@
   <p:clrMapOvr>
     <a:masterClrMapping/>
   </p:clrMapOvr>
-  <mc:AlternateContent xmlns:mc="http://schemas.openxmlformats.org/markup-compatibility/2006">
-    <mc:Choice xmlns:p14="http://schemas.microsoft.com/office/powerpoint/2010/main" Requires="p14">
+  <mc:AlternateContent xmlns:mc="http://schemas.openxmlformats.org/markup-compatibility/2006" xmlns:p14="http://schemas.microsoft.com/office/powerpoint/2010/main">
+    <mc:Choice Requires="p14">
       <p:transition p14:dur="10"/>
     </mc:Choice>
-    <mc:Fallback>
+    <mc:Fallback xmlns="">
       <p:transition/>
     </mc:Fallback>
   </mc:AlternateContent>
@@ -13543,11 +13543,11 @@
   <p:clrMapOvr>
     <a:masterClrMapping/>
   </p:clrMapOvr>
-  <mc:AlternateContent xmlns:mc="http://schemas.openxmlformats.org/markup-compatibility/2006">
-    <mc:Choice xmlns:p14="http://schemas.microsoft.com/office/powerpoint/2010/main" Requires="p14">
+  <mc:AlternateContent xmlns:mc="http://schemas.openxmlformats.org/markup-compatibility/2006" xmlns:p14="http://schemas.microsoft.com/office/powerpoint/2010/main">
+    <mc:Choice Requires="p14">
       <p:transition p14:dur="10"/>
     </mc:Choice>
-    <mc:Fallback>
+    <mc:Fallback xmlns="">
       <p:transition/>
     </mc:Fallback>
   </mc:AlternateContent>
@@ -14070,11 +14070,11 @@
   <p:clrMapOvr>
     <a:masterClrMapping/>
   </p:clrMapOvr>
-  <mc:AlternateContent xmlns:mc="http://schemas.openxmlformats.org/markup-compatibility/2006">
-    <mc:Choice xmlns:p14="http://schemas.microsoft.com/office/powerpoint/2010/main" Requires="p14">
+  <mc:AlternateContent xmlns:mc="http://schemas.openxmlformats.org/markup-compatibility/2006" xmlns:p14="http://schemas.microsoft.com/office/powerpoint/2010/main">
+    <mc:Choice Requires="p14">
       <p:transition p14:dur="10"/>
     </mc:Choice>
-    <mc:Fallback>
+    <mc:Fallback xmlns="">
       <p:transition/>
     </mc:Fallback>
   </mc:AlternateContent>
@@ -16085,11 +16085,11 @@
   <p:clrMapOvr>
     <a:masterClrMapping/>
   </p:clrMapOvr>
-  <mc:AlternateContent xmlns:mc="http://schemas.openxmlformats.org/markup-compatibility/2006">
-    <mc:Choice xmlns:p14="http://schemas.microsoft.com/office/powerpoint/2010/main" Requires="p14">
+  <mc:AlternateContent xmlns:mc="http://schemas.openxmlformats.org/markup-compatibility/2006" xmlns:p14="http://schemas.microsoft.com/office/powerpoint/2010/main">
+    <mc:Choice Requires="p14">
       <p:transition p14:dur="10"/>
     </mc:Choice>
-    <mc:Fallback>
+    <mc:Fallback xmlns="">
       <p:transition/>
     </mc:Fallback>
   </mc:AlternateContent>
@@ -16446,7 +16446,7 @@
         </p:blipFill>
         <p:spPr>
           <a:xfrm>
-            <a:off x="5544777" y="31971"/>
+            <a:off x="5544777" y="50825"/>
             <a:ext cx="4023429" cy="6826029"/>
           </a:xfrm>
           <a:prstGeom prst="rect">
@@ -16464,11 +16464,11 @@
   <p:clrMapOvr>
     <a:masterClrMapping/>
   </p:clrMapOvr>
-  <mc:AlternateContent xmlns:mc="http://schemas.openxmlformats.org/markup-compatibility/2006">
-    <mc:Choice xmlns:p14="http://schemas.microsoft.com/office/powerpoint/2010/main" Requires="p14">
+  <mc:AlternateContent xmlns:mc="http://schemas.openxmlformats.org/markup-compatibility/2006" xmlns:p14="http://schemas.microsoft.com/office/powerpoint/2010/main">
+    <mc:Choice Requires="p14">
       <p:transition p14:dur="10"/>
     </mc:Choice>
-    <mc:Fallback>
+    <mc:Fallback xmlns="">
       <p:transition/>
     </mc:Fallback>
   </mc:AlternateContent>
@@ -16731,7 +16731,7 @@
         </p:blipFill>
         <p:spPr>
           <a:xfrm>
-            <a:off x="5488216" y="1"/>
+            <a:off x="5488216" y="9428"/>
             <a:ext cx="4042274" cy="6858000"/>
           </a:xfrm>
           <a:prstGeom prst="rect">
@@ -16749,11 +16749,11 @@
   <p:clrMapOvr>
     <a:masterClrMapping/>
   </p:clrMapOvr>
-  <mc:AlternateContent xmlns:mc="http://schemas.openxmlformats.org/markup-compatibility/2006">
-    <mc:Choice xmlns:p14="http://schemas.microsoft.com/office/powerpoint/2010/main" Requires="p14">
+  <mc:AlternateContent xmlns:mc="http://schemas.openxmlformats.org/markup-compatibility/2006" xmlns:p14="http://schemas.microsoft.com/office/powerpoint/2010/main">
+    <mc:Choice Requires="p14">
       <p:transition p14:dur="10"/>
     </mc:Choice>
-    <mc:Fallback>
+    <mc:Fallback xmlns="">
       <p:transition/>
     </mc:Fallback>
   </mc:AlternateContent>
@@ -17034,11 +17034,11 @@
   <p:clrMapOvr>
     <a:masterClrMapping/>
   </p:clrMapOvr>
-  <mc:AlternateContent xmlns:mc="http://schemas.openxmlformats.org/markup-compatibility/2006">
-    <mc:Choice xmlns:p14="http://schemas.microsoft.com/office/powerpoint/2010/main" Requires="p14">
+  <mc:AlternateContent xmlns:mc="http://schemas.openxmlformats.org/markup-compatibility/2006" xmlns:p14="http://schemas.microsoft.com/office/powerpoint/2010/main">
+    <mc:Choice Requires="p14">
       <p:transition p14:dur="10"/>
     </mc:Choice>
-    <mc:Fallback>
+    <mc:Fallback xmlns="">
       <p:transition/>
     </mc:Fallback>
   </mc:AlternateContent>
@@ -17355,11 +17355,11 @@
   <p:clrMapOvr>
     <a:masterClrMapping/>
   </p:clrMapOvr>
-  <mc:AlternateContent xmlns:mc="http://schemas.openxmlformats.org/markup-compatibility/2006">
-    <mc:Choice xmlns:p14="http://schemas.microsoft.com/office/powerpoint/2010/main" Requires="p14">
+  <mc:AlternateContent xmlns:mc="http://schemas.openxmlformats.org/markup-compatibility/2006" xmlns:p14="http://schemas.microsoft.com/office/powerpoint/2010/main">
+    <mc:Choice Requires="p14">
       <p:transition p14:dur="10"/>
     </mc:Choice>
-    <mc:Fallback>
+    <mc:Fallback xmlns="">
       <p:transition/>
     </mc:Fallback>
   </mc:AlternateContent>
@@ -18245,11 +18245,11 @@
   <p:clrMapOvr>
     <a:masterClrMapping/>
   </p:clrMapOvr>
-  <mc:AlternateContent xmlns:mc="http://schemas.openxmlformats.org/markup-compatibility/2006">
-    <mc:Choice xmlns:p14="http://schemas.microsoft.com/office/powerpoint/2010/main" Requires="p14">
+  <mc:AlternateContent xmlns:mc="http://schemas.openxmlformats.org/markup-compatibility/2006" xmlns:p14="http://schemas.microsoft.com/office/powerpoint/2010/main">
+    <mc:Choice Requires="p14">
       <p:transition p14:dur="10"/>
     </mc:Choice>
-    <mc:Fallback>
+    <mc:Fallback xmlns="">
       <p:transition/>
     </mc:Fallback>
   </mc:AlternateContent>
@@ -19272,11 +19272,11 @@
   <p:clrMapOvr>
     <a:masterClrMapping/>
   </p:clrMapOvr>
-  <mc:AlternateContent xmlns:mc="http://schemas.openxmlformats.org/markup-compatibility/2006">
-    <mc:Choice xmlns:p14="http://schemas.microsoft.com/office/powerpoint/2010/main" Requires="p14">
+  <mc:AlternateContent xmlns:mc="http://schemas.openxmlformats.org/markup-compatibility/2006" xmlns:p14="http://schemas.microsoft.com/office/powerpoint/2010/main">
+    <mc:Choice Requires="p14">
       <p:transition p14:dur="10"/>
     </mc:Choice>
-    <mc:Fallback>
+    <mc:Fallback xmlns="">
       <p:transition/>
     </mc:Fallback>
   </mc:AlternateContent>
@@ -19437,11 +19437,11 @@
   <p:clrMapOvr>
     <a:masterClrMapping/>
   </p:clrMapOvr>
-  <mc:AlternateContent xmlns:mc="http://schemas.openxmlformats.org/markup-compatibility/2006">
-    <mc:Choice xmlns:p14="http://schemas.microsoft.com/office/powerpoint/2010/main" Requires="p14">
+  <mc:AlternateContent xmlns:mc="http://schemas.openxmlformats.org/markup-compatibility/2006" xmlns:p14="http://schemas.microsoft.com/office/powerpoint/2010/main">
+    <mc:Choice Requires="p14">
       <p:transition p14:dur="10"/>
     </mc:Choice>
-    <mc:Fallback>
+    <mc:Fallback xmlns="">
       <p:transition/>
     </mc:Fallback>
   </mc:AlternateContent>
@@ -19981,7 +19981,7 @@
               <a:t>React Native</a:t>
             </a:r>
             <a:r>
-              <a:rPr lang="zh-CN" altLang="zh-CN" sz="2000" dirty="0">
+              <a:rPr lang="zh-CN" altLang="zh-CN" sz="2000">
                 <a:solidFill>
                   <a:prstClr val="black">
                     <a:lumMod val="65000"/>
@@ -19991,10 +19991,10 @@
                 <a:latin typeface="Arial"/>
                 <a:ea typeface="微软雅黑"/>
               </a:rPr>
-              <a:t>框架进行</a:t>
+              <a:t>框架进行开发</a:t>
             </a:r>
             <a:r>
-              <a:rPr lang="en-US" altLang="zh-CN" sz="2000" dirty="0">
+              <a:rPr lang="zh-CN" altLang="zh-CN" sz="2000" dirty="0">
                 <a:solidFill>
                   <a:prstClr val="black">
                     <a:lumMod val="65000"/>
@@ -20004,20 +20004,7 @@
                 <a:latin typeface="Arial"/>
                 <a:ea typeface="微软雅黑"/>
               </a:rPr>
-              <a:t>android</a:t>
-            </a:r>
-            <a:r>
-              <a:rPr lang="zh-CN" altLang="zh-CN" sz="2000" dirty="0">
-                <a:solidFill>
-                  <a:prstClr val="black">
-                    <a:lumMod val="65000"/>
-                    <a:lumOff val="35000"/>
-                  </a:prstClr>
-                </a:solidFill>
-                <a:latin typeface="Arial"/>
-                <a:ea typeface="微软雅黑"/>
-              </a:rPr>
-              <a:t>开发，</a:t>
+              <a:t>，</a:t>
             </a:r>
             <a:r>
               <a:rPr lang="en-US" altLang="zh-CN" sz="2000" dirty="0">
@@ -20500,11 +20487,11 @@
   <p:clrMapOvr>
     <a:masterClrMapping/>
   </p:clrMapOvr>
-  <mc:AlternateContent xmlns:mc="http://schemas.openxmlformats.org/markup-compatibility/2006">
-    <mc:Choice xmlns:p14="http://schemas.microsoft.com/office/powerpoint/2010/main" Requires="p14">
+  <mc:AlternateContent xmlns:mc="http://schemas.openxmlformats.org/markup-compatibility/2006" xmlns:p14="http://schemas.microsoft.com/office/powerpoint/2010/main">
+    <mc:Choice Requires="p14">
       <p:transition p14:dur="10"/>
     </mc:Choice>
-    <mc:Fallback>
+    <mc:Fallback xmlns="">
       <p:transition/>
     </mc:Fallback>
   </mc:AlternateContent>
@@ -21013,14 +21000,92 @@
   <p:clrMapOvr>
     <a:masterClrMapping/>
   </p:clrMapOvr>
-  <mc:AlternateContent xmlns:mc="http://schemas.openxmlformats.org/markup-compatibility/2006">
-    <mc:Choice xmlns:p14="http://schemas.microsoft.com/office/powerpoint/2010/main" Requires="p14">
+  <mc:AlternateContent xmlns:mc="http://schemas.openxmlformats.org/markup-compatibility/2006" xmlns:p14="http://schemas.microsoft.com/office/powerpoint/2010/main">
+    <mc:Choice Requires="p14">
       <p:transition p14:dur="10"/>
     </mc:Choice>
-    <mc:Fallback>
+    <mc:Fallback xmlns="">
       <p:transition/>
     </mc:Fallback>
   </mc:AlternateContent>
+  <p:timing>
+    <p:tnLst>
+      <p:par>
+        <p:cTn id="1" dur="indefinite" restart="never" nodeType="tmRoot">
+          <p:childTnLst>
+            <p:seq concurrent="1" nextAc="seek">
+              <p:cTn id="2" dur="indefinite" nodeType="mainSeq">
+                <p:childTnLst>
+                  <p:par>
+                    <p:cTn id="3" fill="hold">
+                      <p:stCondLst>
+                        <p:cond delay="indefinite"/>
+                      </p:stCondLst>
+                      <p:childTnLst>
+                        <p:par>
+                          <p:cTn id="4" fill="hold">
+                            <p:stCondLst>
+                              <p:cond delay="0"/>
+                            </p:stCondLst>
+                            <p:childTnLst>
+                              <p:par>
+                                <p:cTn id="5" presetID="1" presetClass="entr" presetSubtype="0" fill="hold" grpId="0" nodeType="clickEffect">
+                                  <p:stCondLst>
+                                    <p:cond delay="0"/>
+                                  </p:stCondLst>
+                                  <p:childTnLst>
+                                    <p:set>
+                                      <p:cBhvr>
+                                        <p:cTn id="6" dur="1" fill="hold">
+                                          <p:stCondLst>
+                                            <p:cond delay="0"/>
+                                          </p:stCondLst>
+                                        </p:cTn>
+                                        <p:tgtEl>
+                                          <p:spTgt spid="8"/>
+                                        </p:tgtEl>
+                                        <p:attrNameLst>
+                                          <p:attrName>style.visibility</p:attrName>
+                                        </p:attrNameLst>
+                                      </p:cBhvr>
+                                      <p:to>
+                                        <p:strVal val="visible"/>
+                                      </p:to>
+                                    </p:set>
+                                  </p:childTnLst>
+                                </p:cTn>
+                              </p:par>
+                            </p:childTnLst>
+                          </p:cTn>
+                        </p:par>
+                      </p:childTnLst>
+                    </p:cTn>
+                  </p:par>
+                </p:childTnLst>
+              </p:cTn>
+              <p:prevCondLst>
+                <p:cond evt="onPrev" delay="0">
+                  <p:tgtEl>
+                    <p:sldTgt/>
+                  </p:tgtEl>
+                </p:cond>
+              </p:prevCondLst>
+              <p:nextCondLst>
+                <p:cond evt="onNext" delay="0">
+                  <p:tgtEl>
+                    <p:sldTgt/>
+                  </p:tgtEl>
+                </p:cond>
+              </p:nextCondLst>
+            </p:seq>
+          </p:childTnLst>
+        </p:cTn>
+      </p:par>
+    </p:tnLst>
+    <p:bldLst>
+      <p:bldP spid="8" grpId="0" animBg="1"/>
+    </p:bldLst>
+  </p:timing>
 </p:sld>
 </file>
 
@@ -21230,11 +21295,11 @@
   <p:clrMapOvr>
     <a:masterClrMapping/>
   </p:clrMapOvr>
-  <mc:AlternateContent xmlns:mc="http://schemas.openxmlformats.org/markup-compatibility/2006">
-    <mc:Choice xmlns:p14="http://schemas.microsoft.com/office/powerpoint/2010/main" Requires="p14">
+  <mc:AlternateContent xmlns:mc="http://schemas.openxmlformats.org/markup-compatibility/2006" xmlns:p14="http://schemas.microsoft.com/office/powerpoint/2010/main">
+    <mc:Choice Requires="p14">
       <p:transition p14:dur="10"/>
     </mc:Choice>
-    <mc:Fallback>
+    <mc:Fallback xmlns="">
       <p:transition/>
     </mc:Fallback>
   </mc:AlternateContent>
@@ -21891,11 +21956,11 @@
   <p:clrMapOvr>
     <a:masterClrMapping/>
   </p:clrMapOvr>
-  <mc:AlternateContent xmlns:mc="http://schemas.openxmlformats.org/markup-compatibility/2006">
-    <mc:Choice xmlns:p14="http://schemas.microsoft.com/office/powerpoint/2010/main" Requires="p14">
+  <mc:AlternateContent xmlns:mc="http://schemas.openxmlformats.org/markup-compatibility/2006" xmlns:p14="http://schemas.microsoft.com/office/powerpoint/2010/main">
+    <mc:Choice Requires="p14">
       <p:transition p14:dur="10"/>
     </mc:Choice>
-    <mc:Fallback>
+    <mc:Fallback xmlns="">
       <p:transition/>
     </mc:Fallback>
   </mc:AlternateContent>
@@ -23064,11 +23129,11 @@
   <p:clrMapOvr>
     <a:masterClrMapping/>
   </p:clrMapOvr>
-  <mc:AlternateContent xmlns:mc="http://schemas.openxmlformats.org/markup-compatibility/2006">
-    <mc:Choice xmlns:p14="http://schemas.microsoft.com/office/powerpoint/2010/main" Requires="p14">
+  <mc:AlternateContent xmlns:mc="http://schemas.openxmlformats.org/markup-compatibility/2006" xmlns:p14="http://schemas.microsoft.com/office/powerpoint/2010/main">
+    <mc:Choice Requires="p14">
       <p:transition p14:dur="10"/>
     </mc:Choice>
-    <mc:Fallback>
+    <mc:Fallback xmlns="">
       <p:transition/>
     </mc:Fallback>
   </mc:AlternateContent>
@@ -24208,11 +24273,11 @@
   <p:clrMapOvr>
     <a:masterClrMapping/>
   </p:clrMapOvr>
-  <mc:AlternateContent xmlns:mc="http://schemas.openxmlformats.org/markup-compatibility/2006">
-    <mc:Choice xmlns:p14="http://schemas.microsoft.com/office/powerpoint/2010/main" Requires="p14">
+  <mc:AlternateContent xmlns:mc="http://schemas.openxmlformats.org/markup-compatibility/2006" xmlns:p14="http://schemas.microsoft.com/office/powerpoint/2010/main">
+    <mc:Choice Requires="p14">
       <p:transition p14:dur="10"/>
     </mc:Choice>
-    <mc:Fallback>
+    <mc:Fallback xmlns="">
       <p:transition/>
     </mc:Fallback>
   </mc:AlternateContent>
@@ -25286,11 +25351,11 @@
   <p:clrMapOvr>
     <a:masterClrMapping/>
   </p:clrMapOvr>
-  <mc:AlternateContent xmlns:mc="http://schemas.openxmlformats.org/markup-compatibility/2006">
-    <mc:Choice xmlns:p14="http://schemas.microsoft.com/office/powerpoint/2010/main" Requires="p14">
+  <mc:AlternateContent xmlns:mc="http://schemas.openxmlformats.org/markup-compatibility/2006" xmlns:p14="http://schemas.microsoft.com/office/powerpoint/2010/main">
+    <mc:Choice Requires="p14">
       <p:transition p14:dur="10"/>
     </mc:Choice>
-    <mc:Fallback>
+    <mc:Fallback xmlns="">
       <p:transition/>
     </mc:Fallback>
   </mc:AlternateContent>
@@ -25443,11 +25508,11 @@
   <p:clrMapOvr>
     <a:masterClrMapping/>
   </p:clrMapOvr>
-  <mc:AlternateContent xmlns:mc="http://schemas.openxmlformats.org/markup-compatibility/2006">
-    <mc:Choice xmlns:p14="http://schemas.microsoft.com/office/powerpoint/2010/main" Requires="p14">
+  <mc:AlternateContent xmlns:mc="http://schemas.openxmlformats.org/markup-compatibility/2006" xmlns:p14="http://schemas.microsoft.com/office/powerpoint/2010/main">
+    <mc:Choice Requires="p14">
       <p:transition p14:dur="10"/>
     </mc:Choice>
-    <mc:Fallback>
+    <mc:Fallback xmlns="">
       <p:transition/>
     </mc:Fallback>
   </mc:AlternateContent>
@@ -25851,11 +25916,11 @@
   <p:clrMapOvr>
     <a:masterClrMapping/>
   </p:clrMapOvr>
-  <mc:AlternateContent xmlns:mc="http://schemas.openxmlformats.org/markup-compatibility/2006">
-    <mc:Choice xmlns:p14="http://schemas.microsoft.com/office/powerpoint/2010/main" Requires="p14">
+  <mc:AlternateContent xmlns:mc="http://schemas.openxmlformats.org/markup-compatibility/2006" xmlns:p14="http://schemas.microsoft.com/office/powerpoint/2010/main">
+    <mc:Choice Requires="p14">
       <p:transition p14:dur="10"/>
     </mc:Choice>
-    <mc:Fallback>
+    <mc:Fallback xmlns="">
       <p:transition/>
     </mc:Fallback>
   </mc:AlternateContent>
@@ -26472,11 +26537,11 @@
   <p:clrMapOvr>
     <a:masterClrMapping/>
   </p:clrMapOvr>
-  <mc:AlternateContent xmlns:mc="http://schemas.openxmlformats.org/markup-compatibility/2006">
-    <mc:Choice xmlns:p14="http://schemas.microsoft.com/office/powerpoint/2010/main" Requires="p14">
+  <mc:AlternateContent xmlns:mc="http://schemas.openxmlformats.org/markup-compatibility/2006" xmlns:p14="http://schemas.microsoft.com/office/powerpoint/2010/main">
+    <mc:Choice Requires="p14">
       <p:transition p14:dur="10"/>
     </mc:Choice>
-    <mc:Fallback>
+    <mc:Fallback xmlns="">
       <p:transition/>
     </mc:Fallback>
   </mc:AlternateContent>
@@ -29834,11 +29899,11 @@
   <p:clrMapOvr>
     <a:masterClrMapping/>
   </p:clrMapOvr>
-  <mc:AlternateContent xmlns:mc="http://schemas.openxmlformats.org/markup-compatibility/2006">
-    <mc:Choice xmlns:p14="http://schemas.microsoft.com/office/powerpoint/2010/main" Requires="p14">
+  <mc:AlternateContent xmlns:mc="http://schemas.openxmlformats.org/markup-compatibility/2006" xmlns:p14="http://schemas.microsoft.com/office/powerpoint/2010/main">
+    <mc:Choice Requires="p14">
       <p:transition p14:dur="10"/>
     </mc:Choice>
-    <mc:Fallback>
+    <mc:Fallback xmlns="">
       <p:transition/>
     </mc:Fallback>
   </mc:AlternateContent>
@@ -33946,11 +34011,11 @@
   <p:clrMapOvr>
     <a:masterClrMapping/>
   </p:clrMapOvr>
-  <mc:AlternateContent xmlns:mc="http://schemas.openxmlformats.org/markup-compatibility/2006">
-    <mc:Choice xmlns:p14="http://schemas.microsoft.com/office/powerpoint/2010/main" Requires="p14">
+  <mc:AlternateContent xmlns:mc="http://schemas.openxmlformats.org/markup-compatibility/2006" xmlns:p14="http://schemas.microsoft.com/office/powerpoint/2010/main">
+    <mc:Choice Requires="p14">
       <p:transition p14:dur="10"/>
     </mc:Choice>
-    <mc:Fallback>
+    <mc:Fallback xmlns="">
       <p:transition/>
     </mc:Fallback>
   </mc:AlternateContent>
@@ -35311,11 +35376,11 @@
   <p:clrMapOvr>
     <a:masterClrMapping/>
   </p:clrMapOvr>
-  <mc:AlternateContent xmlns:mc="http://schemas.openxmlformats.org/markup-compatibility/2006">
-    <mc:Choice xmlns:p14="http://schemas.microsoft.com/office/powerpoint/2010/main" Requires="p14">
+  <mc:AlternateContent xmlns:mc="http://schemas.openxmlformats.org/markup-compatibility/2006" xmlns:p14="http://schemas.microsoft.com/office/powerpoint/2010/main">
+    <mc:Choice Requires="p14">
       <p:transition p14:dur="10"/>
     </mc:Choice>
-    <mc:Fallback>
+    <mc:Fallback xmlns="">
       <p:transition/>
     </mc:Fallback>
   </mc:AlternateContent>
@@ -35674,7 +35739,7 @@
                 <a:latin typeface="Arial"/>
                 <a:ea typeface="微软雅黑"/>
               </a:rPr>
-              <a:t>次，即即每两周一次。</a:t>
+              <a:t>次，即每两周一次。</a:t>
             </a:r>
             <a:endParaRPr lang="en-US" altLang="zh-CN" sz="2400" dirty="0">
               <a:solidFill>
@@ -35995,7 +36060,7 @@
           <p:nvPr/>
         </p:nvPicPr>
         <p:blipFill>
-          <a:blip r:embed="rId3"/>
+          <a:blip r:embed="rId4"/>
           <a:stretch>
             <a:fillRect/>
           </a:stretch>
@@ -36118,7 +36183,7 @@
         </p:nvSpPr>
         <p:spPr>
           <a:xfrm rot="20071147">
-            <a:off x="1397503" y="2555723"/>
+            <a:off x="1237249" y="2742124"/>
             <a:ext cx="9084321" cy="2215991"/>
           </a:xfrm>
           <a:prstGeom prst="rect">
@@ -36169,6 +36234,9 @@
         </p:txBody>
       </p:sp>
     </p:spTree>
+    <p:custDataLst>
+      <p:tags r:id="rId1"/>
+    </p:custDataLst>
     <p:extLst>
       <p:ext uri="{BB962C8B-B14F-4D97-AF65-F5344CB8AC3E}">
         <p14:creationId xmlns:p14="http://schemas.microsoft.com/office/powerpoint/2010/main" val="758178283"/>
@@ -36178,11 +36246,11 @@
   <p:clrMapOvr>
     <a:masterClrMapping/>
   </p:clrMapOvr>
-  <mc:AlternateContent xmlns:mc="http://schemas.openxmlformats.org/markup-compatibility/2006">
-    <mc:Choice xmlns:p14="http://schemas.microsoft.com/office/powerpoint/2010/main" Requires="p14">
+  <mc:AlternateContent xmlns:mc="http://schemas.openxmlformats.org/markup-compatibility/2006" xmlns:p14="http://schemas.microsoft.com/office/powerpoint/2010/main">
+    <mc:Choice Requires="p14">
       <p:transition p14:dur="10"/>
     </mc:Choice>
-    <mc:Fallback>
+    <mc:Fallback xmlns="">
       <p:transition/>
     </mc:Fallback>
   </mc:AlternateContent>
@@ -37238,11 +37306,11 @@
   <p:clrMapOvr>
     <a:masterClrMapping/>
   </p:clrMapOvr>
-  <mc:AlternateContent xmlns:mc="http://schemas.openxmlformats.org/markup-compatibility/2006">
-    <mc:Choice xmlns:p14="http://schemas.microsoft.com/office/powerpoint/2010/main" Requires="p14">
+  <mc:AlternateContent xmlns:mc="http://schemas.openxmlformats.org/markup-compatibility/2006" xmlns:p14="http://schemas.microsoft.com/office/powerpoint/2010/main">
+    <mc:Choice Requires="p14">
       <p:transition p14:dur="10"/>
     </mc:Choice>
-    <mc:Fallback>
+    <mc:Fallback xmlns="">
       <p:transition/>
     </mc:Fallback>
   </mc:AlternateContent>
@@ -37976,11 +38044,11 @@
   <p:clrMapOvr>
     <a:masterClrMapping/>
   </p:clrMapOvr>
-  <mc:AlternateContent xmlns:mc="http://schemas.openxmlformats.org/markup-compatibility/2006">
-    <mc:Choice xmlns:p14="http://schemas.microsoft.com/office/powerpoint/2010/main" Requires="p14">
+  <mc:AlternateContent xmlns:mc="http://schemas.openxmlformats.org/markup-compatibility/2006" xmlns:p14="http://schemas.microsoft.com/office/powerpoint/2010/main">
+    <mc:Choice Requires="p14">
       <p:transition p14:dur="10"/>
     </mc:Choice>
-    <mc:Fallback>
+    <mc:Fallback xmlns="">
       <p:transition/>
     </mc:Fallback>
   </mc:AlternateContent>
@@ -38540,11 +38608,11 @@
   <p:clrMapOvr>
     <a:masterClrMapping/>
   </p:clrMapOvr>
-  <mc:AlternateContent xmlns:mc="http://schemas.openxmlformats.org/markup-compatibility/2006">
-    <mc:Choice xmlns:p14="http://schemas.microsoft.com/office/powerpoint/2010/main" Requires="p14">
+  <mc:AlternateContent xmlns:mc="http://schemas.openxmlformats.org/markup-compatibility/2006" xmlns:p14="http://schemas.microsoft.com/office/powerpoint/2010/main">
+    <mc:Choice Requires="p14">
       <p:transition p14:dur="10"/>
     </mc:Choice>
-    <mc:Fallback>
+    <mc:Fallback xmlns="">
       <p:transition/>
     </mc:Fallback>
   </mc:AlternateContent>
@@ -39063,7 +39131,7 @@
           <p:nvPr/>
         </p:nvPicPr>
         <p:blipFill>
-          <a:blip r:embed="rId3"/>
+          <a:blip r:embed="rId4"/>
           <a:stretch>
             <a:fillRect/>
           </a:stretch>
@@ -39237,6 +39305,9 @@
         </p:txBody>
       </p:sp>
     </p:spTree>
+    <p:custDataLst>
+      <p:tags r:id="rId1"/>
+    </p:custDataLst>
     <p:extLst>
       <p:ext uri="{BB962C8B-B14F-4D97-AF65-F5344CB8AC3E}">
         <p14:creationId xmlns:p14="http://schemas.microsoft.com/office/powerpoint/2010/main" val="3996506006"/>
@@ -39246,11 +39317,11 @@
   <p:clrMapOvr>
     <a:masterClrMapping/>
   </p:clrMapOvr>
-  <mc:AlternateContent xmlns:mc="http://schemas.openxmlformats.org/markup-compatibility/2006">
-    <mc:Choice xmlns:p14="http://schemas.microsoft.com/office/powerpoint/2010/main" Requires="p14">
+  <mc:AlternateContent xmlns:mc="http://schemas.openxmlformats.org/markup-compatibility/2006" xmlns:p14="http://schemas.microsoft.com/office/powerpoint/2010/main">
+    <mc:Choice Requires="p14">
       <p:transition p14:dur="10"/>
     </mc:Choice>
-    <mc:Fallback>
+    <mc:Fallback xmlns="">
       <p:transition/>
     </mc:Fallback>
   </mc:AlternateContent>
@@ -39392,6 +39463,18 @@
 <file path=ppt/tags/tag1.xml><?xml version="1.0" encoding="utf-8"?>
 <p:tagLst xmlns:a="http://schemas.openxmlformats.org/drawingml/2006/main" xmlns:r="http://schemas.openxmlformats.org/officeDocument/2006/relationships" xmlns:p="http://schemas.openxmlformats.org/presentationml/2006/main">
   <p:tag name="ISPRING_PRESENTATION_TITLE" val="PowerPoint 演示文稿"/>
+</p:tagLst>
+</file>
+
+<file path=ppt/tags/tag2.xml><?xml version="1.0" encoding="utf-8"?>
+<p:tagLst xmlns:a="http://schemas.openxmlformats.org/drawingml/2006/main" xmlns:r="http://schemas.openxmlformats.org/officeDocument/2006/relationships" xmlns:p="http://schemas.openxmlformats.org/presentationml/2006/main">
+  <p:tag name="TIMING" val="|0|0.4"/>
+</p:tagLst>
+</file>
+
+<file path=ppt/tags/tag3.xml><?xml version="1.0" encoding="utf-8"?>
+<p:tagLst xmlns:a="http://schemas.openxmlformats.org/drawingml/2006/main" xmlns:r="http://schemas.openxmlformats.org/officeDocument/2006/relationships" xmlns:p="http://schemas.openxmlformats.org/presentationml/2006/main">
+  <p:tag name="TIMING" val="|2.9"/>
 </p:tagLst>
 </file>
 
